--- a/diplomdocs2/Гаранин.pptx
+++ b/diplomdocs2/Гаранин.pptx
@@ -3696,15 +3696,7 @@
             </a:r>
             <a:r>
               <a:rPr lang="ru-RU" sz="3600" b="1" u="sng" dirty="0" smtClean="0"/>
-              <a:t>система «</a:t>
-            </a:r>
-            <a:r>
-              <a:rPr lang="ru-RU" sz="3600" b="1" u="sng" dirty="0" smtClean="0"/>
-              <a:t>Стрелковый клуб «Булат</a:t>
-            </a:r>
-            <a:r>
-              <a:rPr lang="ru-RU" sz="3600" b="1" u="sng" dirty="0" smtClean="0"/>
-              <a:t>»</a:t>
+              <a:t>система «Стрелковый клуб «Булат»</a:t>
             </a:r>
             <a:endParaRPr lang="ru-RU" sz="3600" b="1" u="sng" dirty="0"/>
           </a:p>
@@ -3803,25 +3795,7 @@
                 </a:solidFill>
                 <a:cs typeface="Times New Roman" pitchFamily="18" charset="0"/>
               </a:rPr>
-              <a:t>Хабибуллина </a:t>
-            </a:r>
-            <a:r>
-              <a:rPr lang="ru-RU" sz="2000" b="1" dirty="0" smtClean="0">
-                <a:solidFill>
-                  <a:schemeClr val="tx1"/>
-                </a:solidFill>
-                <a:cs typeface="Times New Roman" pitchFamily="18" charset="0"/>
-              </a:rPr>
-              <a:t>Б</a:t>
-            </a:r>
-            <a:r>
-              <a:rPr lang="ru-RU" sz="2000" b="1" dirty="0" smtClean="0">
-                <a:solidFill>
-                  <a:schemeClr val="tx1"/>
-                </a:solidFill>
-                <a:cs typeface="Times New Roman" pitchFamily="18" charset="0"/>
-              </a:rPr>
-              <a:t>.А.</a:t>
+              <a:t>Хабибуллина Б.А.</a:t>
             </a:r>
             <a:endParaRPr lang="en-US" sz="2000" b="1" dirty="0" smtClean="0">
               <a:solidFill>
@@ -3901,36 +3875,6 @@
           <a:xfrm>
             <a:off x="4064095" y="230781"/>
             <a:ext cx="1562930" cy="1562930"/>
-          </a:xfrm>
-          <a:prstGeom prst="rect">
-            <a:avLst/>
-          </a:prstGeom>
-        </p:spPr>
-      </p:pic>
-      <p:pic>
-        <p:nvPicPr>
-          <p:cNvPr id="5" name="Рисунок 4"/>
-          <p:cNvPicPr>
-            <a:picLocks noChangeAspect="1"/>
-          </p:cNvPicPr>
-          <p:nvPr/>
-        </p:nvPicPr>
-        <p:blipFill>
-          <a:blip r:embed="rId3" cstate="print">
-            <a:extLst>
-              <a:ext uri="{28A0092B-C50C-407E-A947-70E740481C1C}">
-                <a14:useLocalDpi xmlns:a14="http://schemas.microsoft.com/office/drawing/2010/main" val="0"/>
-              </a:ext>
-            </a:extLst>
-          </a:blip>
-          <a:stretch>
-            <a:fillRect/>
-          </a:stretch>
-        </p:blipFill>
-        <p:spPr>
-          <a:xfrm>
-            <a:off x="251520" y="4271566"/>
-            <a:ext cx="2088232" cy="2088232"/>
           </a:xfrm>
           <a:prstGeom prst="rect">
             <a:avLst/>
@@ -4017,7 +3961,7 @@
             </a:r>
             <a:r>
               <a:rPr lang="ru-RU" sz="2800" dirty="0" smtClean="0"/>
-              <a:t>«Стрелковый клуб «Булат» по </a:t>
+              <a:t>по </a:t>
             </a:r>
             <a:r>
               <a:rPr lang="ru-RU" sz="2800" dirty="0" smtClean="0"/>
@@ -4223,36 +4167,6 @@
           </a:p>
         </p:txBody>
       </p:sp>
-      <p:pic>
-        <p:nvPicPr>
-          <p:cNvPr id="7" name="Рисунок 6"/>
-          <p:cNvPicPr>
-            <a:picLocks noChangeAspect="1"/>
-          </p:cNvPicPr>
-          <p:nvPr/>
-        </p:nvPicPr>
-        <p:blipFill>
-          <a:blip r:embed="rId2" cstate="print">
-            <a:extLst>
-              <a:ext uri="{28A0092B-C50C-407E-A947-70E740481C1C}">
-                <a14:useLocalDpi xmlns:a14="http://schemas.microsoft.com/office/drawing/2010/main" val="0"/>
-              </a:ext>
-            </a:extLst>
-          </a:blip>
-          <a:stretch>
-            <a:fillRect/>
-          </a:stretch>
-        </p:blipFill>
-        <p:spPr>
-          <a:xfrm>
-            <a:off x="179512" y="6093296"/>
-            <a:ext cx="648072" cy="648072"/>
-          </a:xfrm>
-          <a:prstGeom prst="rect">
-            <a:avLst/>
-          </a:prstGeom>
-        </p:spPr>
-      </p:pic>
     </p:spTree>
     <p:extLst>
       <p:ext uri="{BB962C8B-B14F-4D97-AF65-F5344CB8AC3E}">
@@ -4722,36 +4636,6 @@
           </a:prstGeom>
         </p:spPr>
       </p:pic>
-      <p:pic>
-        <p:nvPicPr>
-          <p:cNvPr id="17" name="Рисунок 16"/>
-          <p:cNvPicPr>
-            <a:picLocks noChangeAspect="1"/>
-          </p:cNvPicPr>
-          <p:nvPr/>
-        </p:nvPicPr>
-        <p:blipFill>
-          <a:blip r:embed="rId7" cstate="print">
-            <a:extLst>
-              <a:ext uri="{28A0092B-C50C-407E-A947-70E740481C1C}">
-                <a14:useLocalDpi xmlns:a14="http://schemas.microsoft.com/office/drawing/2010/main" val="0"/>
-              </a:ext>
-            </a:extLst>
-          </a:blip>
-          <a:stretch>
-            <a:fillRect/>
-          </a:stretch>
-        </p:blipFill>
-        <p:spPr>
-          <a:xfrm>
-            <a:off x="179512" y="6093296"/>
-            <a:ext cx="648072" cy="648072"/>
-          </a:xfrm>
-          <a:prstGeom prst="rect">
-            <a:avLst/>
-          </a:prstGeom>
-        </p:spPr>
-      </p:pic>
     </p:spTree>
     <p:extLst>
       <p:ext uri="{BB962C8B-B14F-4D97-AF65-F5344CB8AC3E}">
@@ -4822,12 +4706,16 @@
               <a:t>Создать базу и </a:t>
             </a:r>
             <a:r>
-              <a:rPr lang="ru-RU" b="1" dirty="0">
+              <a:rPr lang="ru-RU" b="1" dirty="0" smtClean="0">
                 <a:latin typeface="Arial" pitchFamily="34" charset="0"/>
                 <a:cs typeface="Arial" pitchFamily="34" charset="0"/>
               </a:rPr>
-              <a:t>разработать подсистему для работы с продукцией </a:t>
-            </a:r>
+              <a:t>модуль обработки данных</a:t>
+            </a:r>
+            <a:endParaRPr lang="ru-RU" b="1" dirty="0">
+              <a:latin typeface="Arial" pitchFamily="34" charset="0"/>
+              <a:cs typeface="Arial" pitchFamily="34" charset="0"/>
+            </a:endParaRPr>
           </a:p>
         </p:txBody>
       </p:sp>
@@ -5024,36 +4912,6 @@
           </a:p>
         </p:txBody>
       </p:sp>
-      <p:pic>
-        <p:nvPicPr>
-          <p:cNvPr id="9" name="Рисунок 8"/>
-          <p:cNvPicPr>
-            <a:picLocks noChangeAspect="1"/>
-          </p:cNvPicPr>
-          <p:nvPr/>
-        </p:nvPicPr>
-        <p:blipFill>
-          <a:blip r:embed="rId2" cstate="print">
-            <a:extLst>
-              <a:ext uri="{28A0092B-C50C-407E-A947-70E740481C1C}">
-                <a14:useLocalDpi xmlns:a14="http://schemas.microsoft.com/office/drawing/2010/main" val="0"/>
-              </a:ext>
-            </a:extLst>
-          </a:blip>
-          <a:stretch>
-            <a:fillRect/>
-          </a:stretch>
-        </p:blipFill>
-        <p:spPr>
-          <a:xfrm>
-            <a:off x="179512" y="6093296"/>
-            <a:ext cx="648072" cy="648072"/>
-          </a:xfrm>
-          <a:prstGeom prst="rect">
-            <a:avLst/>
-          </a:prstGeom>
-        </p:spPr>
-      </p:pic>
     </p:spTree>
     <p:extLst>
       <p:ext uri="{BB962C8B-B14F-4D97-AF65-F5344CB8AC3E}">
@@ -5093,94 +4951,6 @@
       </p:grpSpPr>
       <p:sp>
         <p:nvSpPr>
-          <p:cNvPr id="4" name="Объект 2"/>
-          <p:cNvSpPr>
-            <a:spLocks noGrp="1"/>
-          </p:cNvSpPr>
-          <p:nvPr>
-            <p:ph idx="1"/>
-          </p:nvPr>
-        </p:nvSpPr>
-        <p:spPr>
-          <a:xfrm>
-            <a:off x="365879" y="980728"/>
-            <a:ext cx="8515479" cy="4525963"/>
-          </a:xfrm>
-        </p:spPr>
-        <p:txBody>
-          <a:bodyPr>
-            <a:normAutofit fontScale="92500" lnSpcReduction="10000"/>
-          </a:bodyPr>
-          <a:lstStyle/>
-          <a:p>
-            <a:pPr marL="0" indent="0">
-              <a:buNone/>
-            </a:pPr>
-            <a:r>
-              <a:rPr lang="ru-RU" dirty="0"/>
-              <a:t>разработать основные модули информационной системы </a:t>
-            </a:r>
-            <a:r>
-              <a:rPr lang="ru-RU" dirty="0" smtClean="0"/>
-              <a:t>для «Стрелковый клуб «Булат»:</a:t>
-            </a:r>
-            <a:endParaRPr lang="ru-RU" dirty="0"/>
-          </a:p>
-          <a:p>
-            <a:pPr marL="0" indent="0">
-              <a:buNone/>
-            </a:pPr>
-            <a:r>
-              <a:rPr lang="ru-RU" dirty="0"/>
-              <a:t>•	неавторизованный клиент и авторизованный клиент может просматривать </a:t>
-            </a:r>
-            <a:r>
-              <a:rPr lang="ru-RU" dirty="0" smtClean="0"/>
-              <a:t>услуги </a:t>
-            </a:r>
-            <a:r>
-              <a:rPr lang="ru-RU" dirty="0"/>
-              <a:t>и формировать заказ;</a:t>
-            </a:r>
-          </a:p>
-          <a:p>
-            <a:pPr marL="0" indent="0">
-              <a:buNone/>
-            </a:pPr>
-            <a:r>
-              <a:rPr lang="ru-RU" dirty="0"/>
-              <a:t>•	менеджер может просматривать </a:t>
-            </a:r>
-            <a:r>
-              <a:rPr lang="ru-RU" dirty="0" smtClean="0"/>
-              <a:t>услуги, </a:t>
-            </a:r>
-            <a:r>
-              <a:rPr lang="ru-RU" dirty="0"/>
-              <a:t>формировать и редактировать заказы;</a:t>
-            </a:r>
-          </a:p>
-          <a:p>
-            <a:pPr marL="0" indent="0">
-              <a:buNone/>
-            </a:pPr>
-            <a:r>
-              <a:rPr lang="ru-RU" dirty="0"/>
-              <a:t>•	администратор может добавлять/редактировать/удалять </a:t>
-            </a:r>
-            <a:r>
-              <a:rPr lang="ru-RU" dirty="0" smtClean="0"/>
-              <a:t>услуги, </a:t>
-            </a:r>
-            <a:r>
-              <a:rPr lang="ru-RU" dirty="0"/>
-              <a:t>просматривать и редактировать заказы. </a:t>
-            </a:r>
-          </a:p>
-        </p:txBody>
-      </p:sp>
-      <p:sp>
-        <p:nvSpPr>
           <p:cNvPr id="5" name="Line 2"/>
           <p:cNvSpPr>
             <a:spLocks noChangeShapeType="1"/>
@@ -5372,36 +5142,85 @@
           </a:p>
         </p:txBody>
       </p:sp>
-      <p:pic>
-        <p:nvPicPr>
-          <p:cNvPr id="8" name="Рисунок 7"/>
-          <p:cNvPicPr>
-            <a:picLocks noChangeAspect="1"/>
-          </p:cNvPicPr>
-          <p:nvPr/>
-        </p:nvPicPr>
-        <p:blipFill>
-          <a:blip r:embed="rId2" cstate="print">
-            <a:extLst>
-              <a:ext uri="{28A0092B-C50C-407E-A947-70E740481C1C}">
-                <a14:useLocalDpi xmlns:a14="http://schemas.microsoft.com/office/drawing/2010/main" val="0"/>
-              </a:ext>
-            </a:extLst>
-          </a:blip>
-          <a:stretch>
-            <a:fillRect/>
-          </a:stretch>
-        </p:blipFill>
+      <p:sp>
+        <p:nvSpPr>
+          <p:cNvPr id="7" name="Объект 2"/>
+          <p:cNvSpPr>
+            <a:spLocks noGrp="1"/>
+          </p:cNvSpPr>
+          <p:nvPr>
+            <p:ph idx="1"/>
+          </p:nvPr>
+        </p:nvSpPr>
         <p:spPr>
           <a:xfrm>
-            <a:off x="179512" y="6093296"/>
-            <a:ext cx="648072" cy="648072"/>
+            <a:off x="365879" y="980728"/>
+            <a:ext cx="8515479" cy="4525963"/>
           </a:xfrm>
-          <a:prstGeom prst="rect">
-            <a:avLst/>
-          </a:prstGeom>
         </p:spPr>
-      </p:pic>
+        <p:txBody>
+          <a:bodyPr>
+            <a:normAutofit/>
+          </a:bodyPr>
+          <a:lstStyle/>
+          <a:p>
+            <a:pPr algn="just">
+              <a:buFont typeface="Wingdings" pitchFamily="2" charset="2"/>
+              <a:buChar char="ü"/>
+            </a:pPr>
+            <a:r>
+              <a:rPr lang="ru-RU" dirty="0">
+                <a:latin typeface="Arial" pitchFamily="34" charset="0"/>
+                <a:cs typeface="Arial" pitchFamily="34" charset="0"/>
+              </a:rPr>
+              <a:t>создать модуль обработки данных: ввода, удаления и редактирования данных</a:t>
+            </a:r>
+          </a:p>
+          <a:p>
+            <a:pPr algn="just">
+              <a:buFont typeface="Wingdings" pitchFamily="2" charset="2"/>
+              <a:buChar char="ü"/>
+            </a:pPr>
+            <a:r>
+              <a:rPr lang="ru-RU" dirty="0" smtClean="0">
+                <a:latin typeface="Arial" pitchFamily="34" charset="0"/>
+                <a:cs typeface="Arial" pitchFamily="34" charset="0"/>
+              </a:rPr>
+              <a:t>учёт </a:t>
+            </a:r>
+            <a:r>
+              <a:rPr lang="ru-RU" dirty="0" smtClean="0">
+                <a:latin typeface="Arial" pitchFamily="34" charset="0"/>
+                <a:cs typeface="Arial" pitchFamily="34" charset="0"/>
+              </a:rPr>
+              <a:t>заказов</a:t>
+            </a:r>
+            <a:endParaRPr lang="ru-RU" dirty="0" smtClean="0">
+              <a:latin typeface="Arial" pitchFamily="34" charset="0"/>
+              <a:cs typeface="Arial" pitchFamily="34" charset="0"/>
+            </a:endParaRPr>
+          </a:p>
+          <a:p>
+            <a:pPr algn="just">
+              <a:buFont typeface="Wingdings" pitchFamily="2" charset="2"/>
+              <a:buChar char="ü"/>
+            </a:pPr>
+            <a:endParaRPr lang="ru-RU" dirty="0" smtClean="0">
+              <a:latin typeface="Arial" pitchFamily="34" charset="0"/>
+              <a:cs typeface="Arial" pitchFamily="34" charset="0"/>
+            </a:endParaRPr>
+          </a:p>
+          <a:p>
+            <a:pPr marL="0" indent="0" algn="just">
+              <a:buNone/>
+            </a:pPr>
+            <a:endParaRPr lang="ru-RU" dirty="0">
+              <a:latin typeface="Arial" pitchFamily="34" charset="0"/>
+              <a:cs typeface="Arial" pitchFamily="34" charset="0"/>
+            </a:endParaRPr>
+          </a:p>
+        </p:txBody>
+      </p:sp>
     </p:spTree>
     <p:extLst>
       <p:ext uri="{BB962C8B-B14F-4D97-AF65-F5344CB8AC3E}">
@@ -5717,7 +5536,7 @@
           <a:graphicData uri="http://schemas.openxmlformats.org/presentationml/2006/ole">
             <mc:AlternateContent xmlns:mc="http://schemas.openxmlformats.org/markup-compatibility/2006">
               <mc:Choice xmlns:v="urn:schemas-microsoft-com:vml" Requires="v">
-                <p:oleObj spid="_x0000_s1087" name="Visio" r:id="rId3" imgW="26943996" imgH="22200349" progId="Visio.Drawing.11">
+                <p:oleObj spid="_x0000_s1092" name="Visio" r:id="rId3" imgW="26943996" imgH="22200349" progId="Visio.Drawing.11">
                   <p:embed/>
                 </p:oleObj>
               </mc:Choice>
@@ -5762,36 +5581,6 @@
           </a:graphicData>
         </a:graphic>
       </p:graphicFrame>
-      <p:pic>
-        <p:nvPicPr>
-          <p:cNvPr id="8" name="Рисунок 7"/>
-          <p:cNvPicPr>
-            <a:picLocks noChangeAspect="1"/>
-          </p:cNvPicPr>
-          <p:nvPr/>
-        </p:nvPicPr>
-        <p:blipFill>
-          <a:blip r:embed="rId5" cstate="print">
-            <a:extLst>
-              <a:ext uri="{28A0092B-C50C-407E-A947-70E740481C1C}">
-                <a14:useLocalDpi xmlns:a14="http://schemas.microsoft.com/office/drawing/2010/main" val="0"/>
-              </a:ext>
-            </a:extLst>
-          </a:blip>
-          <a:stretch>
-            <a:fillRect/>
-          </a:stretch>
-        </p:blipFill>
-        <p:spPr>
-          <a:xfrm>
-            <a:off x="179512" y="6093296"/>
-            <a:ext cx="648072" cy="648072"/>
-          </a:xfrm>
-          <a:prstGeom prst="rect">
-            <a:avLst/>
-          </a:prstGeom>
-        </p:spPr>
-      </p:pic>
     </p:spTree>
     <p:extLst>
       <p:ext uri="{BB962C8B-B14F-4D97-AF65-F5344CB8AC3E}">
@@ -6024,7 +5813,7 @@
       </p:sp>
       <p:pic>
         <p:nvPicPr>
-          <p:cNvPr id="2" name="Рисунок 1"/>
+          <p:cNvPr id="7" name="Рисунок 6"/>
           <p:cNvPicPr>
             <a:picLocks noChangeAspect="1"/>
           </p:cNvPicPr>
@@ -6038,38 +5827,8 @@
         </p:blipFill>
         <p:spPr>
           <a:xfrm>
-            <a:off x="251520" y="1124744"/>
-            <a:ext cx="8223240" cy="4336478"/>
-          </a:xfrm>
-          <a:prstGeom prst="rect">
-            <a:avLst/>
-          </a:prstGeom>
-        </p:spPr>
-      </p:pic>
-      <p:pic>
-        <p:nvPicPr>
-          <p:cNvPr id="8" name="Рисунок 7"/>
-          <p:cNvPicPr>
-            <a:picLocks noChangeAspect="1"/>
-          </p:cNvPicPr>
-          <p:nvPr/>
-        </p:nvPicPr>
-        <p:blipFill>
-          <a:blip r:embed="rId3" cstate="print">
-            <a:extLst>
-              <a:ext uri="{28A0092B-C50C-407E-A947-70E740481C1C}">
-                <a14:useLocalDpi xmlns:a14="http://schemas.microsoft.com/office/drawing/2010/main" val="0"/>
-              </a:ext>
-            </a:extLst>
-          </a:blip>
-          <a:stretch>
-            <a:fillRect/>
-          </a:stretch>
-        </p:blipFill>
-        <p:spPr>
-          <a:xfrm>
-            <a:off x="179512" y="6093296"/>
-            <a:ext cx="648072" cy="648072"/>
+            <a:off x="539552" y="980728"/>
+            <a:ext cx="7704856" cy="5236242"/>
           </a:xfrm>
           <a:prstGeom prst="rect">
             <a:avLst/>
@@ -6148,52 +5907,22 @@
       </p:sp>
       <p:pic>
         <p:nvPicPr>
-          <p:cNvPr id="5" name="Рисунок 4"/>
+          <p:cNvPr id="2" name="Рисунок 1"/>
           <p:cNvPicPr>
             <a:picLocks noChangeAspect="1"/>
           </p:cNvPicPr>
           <p:nvPr/>
         </p:nvPicPr>
         <p:blipFill>
-          <a:blip r:embed="rId2" cstate="print">
-            <a:extLst>
-              <a:ext uri="{28A0092B-C50C-407E-A947-70E740481C1C}">
-                <a14:useLocalDpi xmlns:a14="http://schemas.microsoft.com/office/drawing/2010/main" val="0"/>
-              </a:ext>
-            </a:extLst>
-          </a:blip>
+          <a:blip r:embed="rId2"/>
           <a:stretch>
             <a:fillRect/>
           </a:stretch>
         </p:blipFill>
         <p:spPr>
           <a:xfrm>
-            <a:off x="179512" y="6093296"/>
-            <a:ext cx="648072" cy="648072"/>
-          </a:xfrm>
-          <a:prstGeom prst="rect">
-            <a:avLst/>
-          </a:prstGeom>
-        </p:spPr>
-      </p:pic>
-      <p:pic>
-        <p:nvPicPr>
-          <p:cNvPr id="3" name="Рисунок 2"/>
-          <p:cNvPicPr>
-            <a:picLocks noChangeAspect="1"/>
-          </p:cNvPicPr>
-          <p:nvPr/>
-        </p:nvPicPr>
-        <p:blipFill>
-          <a:blip r:embed="rId3"/>
-          <a:stretch>
-            <a:fillRect/>
-          </a:stretch>
-        </p:blipFill>
-        <p:spPr>
-          <a:xfrm>
-            <a:off x="2268041" y="1568854"/>
-            <a:ext cx="4931445" cy="4617551"/>
+            <a:off x="1426086" y="1412776"/>
+            <a:ext cx="6615355" cy="4896544"/>
           </a:xfrm>
           <a:prstGeom prst="rect">
             <a:avLst/>
@@ -6462,36 +6191,6 @@
           </a:p>
         </p:txBody>
       </p:sp>
-      <p:pic>
-        <p:nvPicPr>
-          <p:cNvPr id="7" name="Рисунок 6"/>
-          <p:cNvPicPr>
-            <a:picLocks noChangeAspect="1"/>
-          </p:cNvPicPr>
-          <p:nvPr/>
-        </p:nvPicPr>
-        <p:blipFill>
-          <a:blip r:embed="rId2" cstate="print">
-            <a:extLst>
-              <a:ext uri="{28A0092B-C50C-407E-A947-70E740481C1C}">
-                <a14:useLocalDpi xmlns:a14="http://schemas.microsoft.com/office/drawing/2010/main" val="0"/>
-              </a:ext>
-            </a:extLst>
-          </a:blip>
-          <a:stretch>
-            <a:fillRect/>
-          </a:stretch>
-        </p:blipFill>
-        <p:spPr>
-          <a:xfrm>
-            <a:off x="107504" y="6021288"/>
-            <a:ext cx="648072" cy="648072"/>
-          </a:xfrm>
-          <a:prstGeom prst="rect">
-            <a:avLst/>
-          </a:prstGeom>
-        </p:spPr>
-      </p:pic>
     </p:spTree>
     <p:extLst>
       <p:ext uri="{BB962C8B-B14F-4D97-AF65-F5344CB8AC3E}">
